--- a/Aulas/01_PreparacoesIniciais/Instalacao_do_python.pptx
+++ b/Aulas/01_PreparacoesIniciais/Instalacao_do_python.pptx
@@ -5,7 +5,7 @@
     <p:sldMasterId id="2147483648" r:id="rId1"/>
   </p:sldMasterIdLst>
   <p:notesMasterIdLst>
-    <p:notesMasterId r:id="rId29"/>
+    <p:notesMasterId r:id="rId31"/>
   </p:notesMasterIdLst>
   <p:sldIdLst>
     <p:sldId id="258" r:id="rId2"/>
@@ -25,16 +25,18 @@
     <p:sldId id="269" r:id="rId16"/>
     <p:sldId id="270" r:id="rId17"/>
     <p:sldId id="271" r:id="rId18"/>
-    <p:sldId id="274" r:id="rId19"/>
-    <p:sldId id="276" r:id="rId20"/>
-    <p:sldId id="277" r:id="rId21"/>
-    <p:sldId id="278" r:id="rId22"/>
-    <p:sldId id="279" r:id="rId23"/>
-    <p:sldId id="284" r:id="rId24"/>
-    <p:sldId id="280" r:id="rId25"/>
-    <p:sldId id="281" r:id="rId26"/>
-    <p:sldId id="282" r:id="rId27"/>
-    <p:sldId id="283" r:id="rId28"/>
+    <p:sldId id="285" r:id="rId19"/>
+    <p:sldId id="286" r:id="rId20"/>
+    <p:sldId id="274" r:id="rId21"/>
+    <p:sldId id="276" r:id="rId22"/>
+    <p:sldId id="277" r:id="rId23"/>
+    <p:sldId id="278" r:id="rId24"/>
+    <p:sldId id="279" r:id="rId25"/>
+    <p:sldId id="284" r:id="rId26"/>
+    <p:sldId id="280" r:id="rId27"/>
+    <p:sldId id="281" r:id="rId28"/>
+    <p:sldId id="282" r:id="rId29"/>
+    <p:sldId id="283" r:id="rId30"/>
   </p:sldIdLst>
   <p:sldSz cx="12192000" cy="6858000"/>
   <p:notesSz cx="6858000" cy="9144000"/>
@@ -639,7 +641,7 @@
           <a:p>
             <a:fld id="{3A93EF24-549A-400E-AD12-97C29E8C6D00}" type="slidenum">
               <a:rPr lang="pt-BR" smtClean="0"/>
-              <a:t>26</a:t>
+              <a:t>28</a:t>
             </a:fld>
             <a:endParaRPr lang="pt-BR"/>
           </a:p>
@@ -5259,7 +5261,7 @@
         </p:nvSpPr>
         <p:spPr>
           <a:xfrm>
-            <a:off x="276726" y="882316"/>
+            <a:off x="276727" y="1035775"/>
             <a:ext cx="9541041" cy="523220"/>
           </a:xfrm>
           <a:prstGeom prst="rect">
@@ -6044,7 +6046,7 @@
         </p:nvSpPr>
         <p:spPr>
           <a:xfrm>
-            <a:off x="276726" y="882316"/>
+            <a:off x="276727" y="970806"/>
             <a:ext cx="9300411" cy="2246769"/>
           </a:xfrm>
           <a:prstGeom prst="rect">
@@ -6162,7 +6164,7 @@
         <p:cNvPr id="1" name="">
           <a:extLst>
             <a:ext uri="{FF2B5EF4-FFF2-40B4-BE49-F238E27FC236}">
-              <a16:creationId xmlns:a16="http://schemas.microsoft.com/office/drawing/2014/main" id="{563B7EBB-21C0-8210-78EE-51AB30F19A51}"/>
+              <a16:creationId xmlns:a16="http://schemas.microsoft.com/office/drawing/2014/main" id="{CFAAA6C4-F4BE-63A2-3E88-7E68C9C5E773}"/>
             </a:ext>
           </a:extLst>
         </p:cNvPr>
@@ -6182,7 +6184,7 @@
           <p:cNvPr id="2" name="Retângulo 1">
             <a:extLst>
               <a:ext uri="{FF2B5EF4-FFF2-40B4-BE49-F238E27FC236}">
-                <a16:creationId xmlns:a16="http://schemas.microsoft.com/office/drawing/2014/main" id="{9068F5DC-853D-CFEA-F09A-CFA0DC5738B1}"/>
+                <a16:creationId xmlns:a16="http://schemas.microsoft.com/office/drawing/2014/main" id="{FFA6D4BD-B376-2F89-953E-68B5C410A5B3}"/>
               </a:ext>
             </a:extLst>
           </p:cNvPr>
@@ -6228,7 +6230,7 @@
           <p:cNvPr id="3" name="CaixaDeTexto 2">
             <a:extLst>
               <a:ext uri="{FF2B5EF4-FFF2-40B4-BE49-F238E27FC236}">
-                <a16:creationId xmlns:a16="http://schemas.microsoft.com/office/drawing/2014/main" id="{F177F7CC-F612-2F23-9550-849652FF9B9B}"/>
+                <a16:creationId xmlns:a16="http://schemas.microsoft.com/office/drawing/2014/main" id="{BAF8F73A-8514-72CB-75CE-06593BD9F6AF}"/>
               </a:ext>
             </a:extLst>
           </p:cNvPr>
@@ -6278,7 +6280,7 @@
           <p:cNvPr id="4" name="CaixaDeTexto 3">
             <a:extLst>
               <a:ext uri="{FF2B5EF4-FFF2-40B4-BE49-F238E27FC236}">
-                <a16:creationId xmlns:a16="http://schemas.microsoft.com/office/drawing/2014/main" id="{2F3EDAC2-9BD2-F705-FA23-9F4908CF5491}"/>
+                <a16:creationId xmlns:a16="http://schemas.microsoft.com/office/drawing/2014/main" id="{EA00BA39-A5CE-764C-7946-E58F45D88296}"/>
               </a:ext>
             </a:extLst>
           </p:cNvPr>
@@ -6307,7 +6309,7 @@
                   <a:schemeClr val="bg1"/>
                 </a:solidFill>
               </a:rPr>
-              <a:t>· Configurar as variáveis de ambiente </a:t>
+              <a:t>· Desinstalar ou modificar o Python</a:t>
             </a:r>
           </a:p>
         </p:txBody>
@@ -6315,7 +6317,7 @@
     </p:spTree>
     <p:extLst>
       <p:ext uri="{BB962C8B-B14F-4D97-AF65-F5344CB8AC3E}">
-        <p14:creationId xmlns:p14="http://schemas.microsoft.com/office/powerpoint/2010/main" val="3704370122"/>
+        <p14:creationId xmlns:p14="http://schemas.microsoft.com/office/powerpoint/2010/main" val="3247285512"/>
       </p:ext>
     </p:extLst>
   </p:cSld>
@@ -6330,7 +6332,13 @@
   <p:cSld>
     <p:spTree>
       <p:nvGrpSpPr>
-        <p:cNvPr id="1" name=""/>
+        <p:cNvPr id="1" name="">
+          <a:extLst>
+            <a:ext uri="{FF2B5EF4-FFF2-40B4-BE49-F238E27FC236}">
+              <a16:creationId xmlns:a16="http://schemas.microsoft.com/office/drawing/2014/main" id="{568FE108-06FA-C4E4-F6D5-A196086A2537}"/>
+            </a:ext>
+          </a:extLst>
+        </p:cNvPr>
         <p:cNvGrpSpPr/>
         <p:nvPr/>
       </p:nvGrpSpPr>
@@ -6344,10 +6352,10 @@
       </p:grpSpPr>
       <p:sp>
         <p:nvSpPr>
-          <p:cNvPr id="7" name="Retângulo 6">
-            <a:extLst>
-              <a:ext uri="{FF2B5EF4-FFF2-40B4-BE49-F238E27FC236}">
-                <a16:creationId xmlns:a16="http://schemas.microsoft.com/office/drawing/2014/main" id="{63E9827C-41B9-CCDE-C3B5-8DD2F2186B99}"/>
+          <p:cNvPr id="2" name="Retângulo 1">
+            <a:extLst>
+              <a:ext uri="{FF2B5EF4-FFF2-40B4-BE49-F238E27FC236}">
+                <a16:creationId xmlns:a16="http://schemas.microsoft.com/office/drawing/2014/main" id="{528EF245-E5D5-BD08-95E4-40F6A1AC63BA}"/>
               </a:ext>
             </a:extLst>
           </p:cNvPr>
@@ -6390,10 +6398,10 @@
       </p:sp>
       <p:sp>
         <p:nvSpPr>
-          <p:cNvPr id="2" name="CaixaDeTexto 1">
-            <a:extLst>
-              <a:ext uri="{FF2B5EF4-FFF2-40B4-BE49-F238E27FC236}">
-                <a16:creationId xmlns:a16="http://schemas.microsoft.com/office/drawing/2014/main" id="{1B8D8F9E-DAE0-4F5A-8D1F-5ADED9E681E7}"/>
+          <p:cNvPr id="4" name="CaixaDeTexto 3">
+            <a:extLst>
+              <a:ext uri="{FF2B5EF4-FFF2-40B4-BE49-F238E27FC236}">
+                <a16:creationId xmlns:a16="http://schemas.microsoft.com/office/drawing/2014/main" id="{6DE085A6-435A-4B7A-C429-CD2D9067F6B5}"/>
               </a:ext>
             </a:extLst>
           </p:cNvPr>
@@ -6402,8 +6410,8 @@
         </p:nvSpPr>
         <p:spPr>
           <a:xfrm>
-            <a:off x="276837" y="268448"/>
-            <a:ext cx="9295002" cy="584775"/>
+            <a:off x="276727" y="155774"/>
+            <a:ext cx="10423357" cy="584775"/>
           </a:xfrm>
           <a:prstGeom prst="rect">
             <a:avLst/>
@@ -6411,24 +6419,24 @@
           <a:noFill/>
         </p:spPr>
         <p:txBody>
-          <a:bodyPr wrap="square" rtlCol="0">
+          <a:bodyPr wrap="square">
             <a:spAutoFit/>
           </a:bodyPr>
           <a:lstStyle/>
           <a:p>
             <a:r>
               <a:rPr lang="pt-BR" sz="3200" dirty="0"/>
-              <a:t>Configurando as variáveis de ambiente</a:t>
-            </a:r>
-          </a:p>
-        </p:txBody>
-      </p:sp>
-      <p:sp>
-        <p:nvSpPr>
-          <p:cNvPr id="3" name="CaixaDeTexto 2">
-            <a:extLst>
-              <a:ext uri="{FF2B5EF4-FFF2-40B4-BE49-F238E27FC236}">
-                <a16:creationId xmlns:a16="http://schemas.microsoft.com/office/drawing/2014/main" id="{CB01744B-6F29-473E-8AD7-9641113914C7}"/>
+              <a:t>Desinstalar ou modificar o Python</a:t>
+            </a:r>
+          </a:p>
+        </p:txBody>
+      </p:sp>
+      <p:sp>
+        <p:nvSpPr>
+          <p:cNvPr id="5" name="CaixaDeTexto 4">
+            <a:extLst>
+              <a:ext uri="{FF2B5EF4-FFF2-40B4-BE49-F238E27FC236}">
+                <a16:creationId xmlns:a16="http://schemas.microsoft.com/office/drawing/2014/main" id="{CA548AE8-8554-88A2-815D-33EA8A8F193F}"/>
               </a:ext>
             </a:extLst>
           </p:cNvPr>
@@ -6437,8 +6445,8 @@
         </p:nvSpPr>
         <p:spPr>
           <a:xfrm>
-            <a:off x="394283" y="1124125"/>
-            <a:ext cx="10956022" cy="646331"/>
+            <a:off x="276727" y="970806"/>
+            <a:ext cx="9300411" cy="3108543"/>
           </a:xfrm>
           <a:prstGeom prst="rect">
             <a:avLst/>
@@ -6446,190 +6454,96 @@
           <a:noFill/>
         </p:spPr>
         <p:txBody>
-          <a:bodyPr wrap="square" rtlCol="0">
+          <a:bodyPr wrap="square">
             <a:spAutoFit/>
           </a:bodyPr>
           <a:lstStyle/>
           <a:p>
             <a:r>
-              <a:rPr lang="pt-BR" dirty="0">
+              <a:rPr lang="pt-BR" sz="2800" dirty="0">
+                <a:solidFill>
+                  <a:schemeClr val="bg1">
+                    <a:lumMod val="95000"/>
+                  </a:schemeClr>
+                </a:solidFill>
+              </a:rPr>
+              <a:t>Passo 1: Vá no painel de controle -&gt; Desinstalar um programa ou vá em aplicativos e recursos nas configurações.</a:t>
+            </a:r>
+          </a:p>
+          <a:p>
+            <a:endParaRPr lang="pt-BR" sz="2800" dirty="0">
+              <a:solidFill>
+                <a:schemeClr val="bg1">
+                  <a:lumMod val="95000"/>
+                </a:schemeClr>
+              </a:solidFill>
+            </a:endParaRPr>
+          </a:p>
+          <a:p>
+            <a:r>
+              <a:rPr lang="pt-BR" sz="2800" dirty="0">
+                <a:solidFill>
+                  <a:schemeClr val="bg1">
+                    <a:lumMod val="95000"/>
+                  </a:schemeClr>
+                </a:solidFill>
+              </a:rPr>
+              <a:t>Passo 2: Encontre o Python e o Python </a:t>
+            </a:r>
+            <a:r>
+              <a:rPr lang="pt-BR" sz="2800" dirty="0" err="1">
+                <a:solidFill>
+                  <a:schemeClr val="bg1">
+                    <a:lumMod val="95000"/>
+                  </a:schemeClr>
+                </a:solidFill>
+              </a:rPr>
+              <a:t>Laucher</a:t>
+            </a:r>
+            <a:r>
+              <a:rPr lang="pt-BR" sz="2800" dirty="0">
+                <a:solidFill>
+                  <a:schemeClr val="bg1">
+                    <a:lumMod val="95000"/>
+                  </a:schemeClr>
+                </a:solidFill>
+              </a:rPr>
+              <a:t>  e desinstale </a:t>
+            </a:r>
+            <a:r>
+              <a:rPr lang="pt-BR" sz="2800" dirty="0">
                 <a:solidFill>
                   <a:schemeClr val="bg1"/>
                 </a:solidFill>
               </a:rPr>
-              <a:t>· Após o Python ter sido instalado, já podemos começar a aprender a linguagem. Mas antes temos que entender onde acessar as variáveis de ambiente do Windows e configurar o PATH (caminho, em inglês). </a:t>
-            </a:r>
-          </a:p>
-        </p:txBody>
-      </p:sp>
-      <p:sp>
-        <p:nvSpPr>
-          <p:cNvPr id="4" name="CaixaDeTexto 3">
-            <a:extLst>
-              <a:ext uri="{FF2B5EF4-FFF2-40B4-BE49-F238E27FC236}">
-                <a16:creationId xmlns:a16="http://schemas.microsoft.com/office/drawing/2014/main" id="{7EC3503A-1202-4A40-A5E7-6D30965C12D3}"/>
-              </a:ext>
-            </a:extLst>
-          </p:cNvPr>
-          <p:cNvSpPr txBox="1"/>
-          <p:nvPr/>
-        </p:nvSpPr>
-        <p:spPr>
-          <a:xfrm>
-            <a:off x="478172" y="1956934"/>
-            <a:ext cx="9093667" cy="646331"/>
-          </a:xfrm>
-          <a:prstGeom prst="rect">
-            <a:avLst/>
-          </a:prstGeom>
-          <a:noFill/>
-        </p:spPr>
-        <p:txBody>
-          <a:bodyPr wrap="square" rtlCol="0">
-            <a:spAutoFit/>
-          </a:bodyPr>
-          <a:lstStyle/>
-          <a:p>
-            <a:r>
-              <a:rPr lang="pt-BR" b="1" dirty="0">
+              <a:t>ou modifique</a:t>
+            </a:r>
+            <a:r>
+              <a:rPr lang="pt-BR" sz="2800" dirty="0">
                 <a:solidFill>
-                  <a:schemeClr val="bg1"/>
+                  <a:schemeClr val="bg1">
+                    <a:lumMod val="95000"/>
+                  </a:schemeClr>
                 </a:solidFill>
               </a:rPr>
-              <a:t>Passo 1: </a:t>
-            </a:r>
-            <a:r>
-              <a:rPr lang="pt-BR" dirty="0">
-                <a:solidFill>
-                  <a:schemeClr val="bg1"/>
-                </a:solidFill>
-              </a:rPr>
-              <a:t>Digite “painel de controle” na busca do computador. E clique no ícone (seta vermelha). </a:t>
-            </a:r>
-            <a:endParaRPr lang="pt-BR" b="1" dirty="0">
+              <a:t>.</a:t>
+            </a:r>
+          </a:p>
+          <a:p>
+            <a:endParaRPr lang="pt-BR" sz="2800" dirty="0">
               <a:solidFill>
-                <a:schemeClr val="bg1"/>
+                <a:schemeClr val="bg1">
+                  <a:lumMod val="95000"/>
+                </a:schemeClr>
               </a:solidFill>
             </a:endParaRPr>
-          </a:p>
-        </p:txBody>
-      </p:sp>
-      <p:pic>
-        <p:nvPicPr>
-          <p:cNvPr id="6" name="Imagem 5" descr="Tela de celular com publicação numa rede social&#10;&#10;Descrição gerada automaticamente">
-            <a:extLst>
-              <a:ext uri="{FF2B5EF4-FFF2-40B4-BE49-F238E27FC236}">
-                <a16:creationId xmlns:a16="http://schemas.microsoft.com/office/drawing/2014/main" id="{176DB7D3-9F53-457F-A2AD-ED8D209AAA91}"/>
-              </a:ext>
-            </a:extLst>
-          </p:cNvPr>
-          <p:cNvPicPr>
-            <a:picLocks noChangeAspect="1"/>
-          </p:cNvPicPr>
-          <p:nvPr/>
-        </p:nvPicPr>
-        <p:blipFill>
-          <a:blip r:embed="rId2">
-            <a:extLst>
-              <a:ext uri="{28A0092B-C50C-407E-A947-70E740481C1C}">
-                <a14:useLocalDpi xmlns:a14="http://schemas.microsoft.com/office/drawing/2010/main" val="0"/>
-              </a:ext>
-            </a:extLst>
-          </a:blip>
-          <a:stretch>
-            <a:fillRect/>
-          </a:stretch>
-        </p:blipFill>
-        <p:spPr>
-          <a:xfrm>
-            <a:off x="478172" y="2692704"/>
-            <a:ext cx="4791790" cy="4143920"/>
-          </a:xfrm>
-          <a:prstGeom prst="rect">
-            <a:avLst/>
-          </a:prstGeom>
-        </p:spPr>
-      </p:pic>
-      <p:sp>
-        <p:nvSpPr>
-          <p:cNvPr id="5" name="CaixaDeTexto 4">
-            <a:extLst>
-              <a:ext uri="{FF2B5EF4-FFF2-40B4-BE49-F238E27FC236}">
-                <a16:creationId xmlns:a16="http://schemas.microsoft.com/office/drawing/2014/main" id="{42F381A2-A4EF-49EA-BF2B-9A33724698B7}"/>
-              </a:ext>
-            </a:extLst>
-          </p:cNvPr>
-          <p:cNvSpPr txBox="1"/>
-          <p:nvPr/>
-        </p:nvSpPr>
-        <p:spPr>
-          <a:xfrm>
-            <a:off x="5452844" y="2692704"/>
-            <a:ext cx="5897461" cy="2585323"/>
-          </a:xfrm>
-          <a:prstGeom prst="rect">
-            <a:avLst/>
-          </a:prstGeom>
-          <a:noFill/>
-        </p:spPr>
-        <p:txBody>
-          <a:bodyPr wrap="square" rtlCol="0">
-            <a:spAutoFit/>
-          </a:bodyPr>
-          <a:lstStyle/>
-          <a:p>
-            <a:r>
-              <a:rPr lang="pt-BR" dirty="0">
-                <a:solidFill>
-                  <a:schemeClr val="bg1"/>
-                </a:solidFill>
-              </a:rPr>
-              <a:t>· As variáveis de ambiente é o local onde se configura os caminhos do Windows.</a:t>
-            </a:r>
-          </a:p>
-          <a:p>
-            <a:endParaRPr lang="pt-BR" dirty="0">
-              <a:solidFill>
-                <a:schemeClr val="bg1"/>
-              </a:solidFill>
-            </a:endParaRPr>
-          </a:p>
-          <a:p>
-            <a:r>
-              <a:rPr lang="pt-BR" dirty="0">
-                <a:solidFill>
-                  <a:schemeClr val="bg1"/>
-                </a:solidFill>
-              </a:rPr>
-              <a:t>· O intuito de configurar as variáveis de ambiente e ter acesso ao Python no terminal e ao pip. </a:t>
-            </a:r>
-          </a:p>
-          <a:p>
-            <a:endParaRPr lang="pt-BR" dirty="0">
-              <a:solidFill>
-                <a:schemeClr val="bg1"/>
-              </a:solidFill>
-            </a:endParaRPr>
-          </a:p>
-          <a:p>
-            <a:r>
-              <a:rPr lang="pt-BR" dirty="0">
-                <a:solidFill>
-                  <a:schemeClr val="bg1"/>
-                </a:solidFill>
-              </a:rPr>
-              <a:t>· Sem configurar o PATH, não será possível instalar novos pacotes para o Python e acessa-lo via terminal. </a:t>
-            </a:r>
-          </a:p>
-          <a:p>
-            <a:endParaRPr lang="pt-BR" dirty="0"/>
           </a:p>
         </p:txBody>
       </p:sp>
     </p:spTree>
     <p:extLst>
       <p:ext uri="{BB962C8B-B14F-4D97-AF65-F5344CB8AC3E}">
-        <p14:creationId xmlns:p14="http://schemas.microsoft.com/office/powerpoint/2010/main" val="4087644485"/>
+        <p14:creationId xmlns:p14="http://schemas.microsoft.com/office/powerpoint/2010/main" val="2284785675"/>
       </p:ext>
     </p:extLst>
   </p:cSld>
@@ -6767,7 +6681,7 @@
         <p:spPr>
           <a:xfrm>
             <a:off x="4182864" y="1198420"/>
-            <a:ext cx="7548039" cy="1754326"/>
+            <a:ext cx="7548039" cy="2862322"/>
           </a:xfrm>
           <a:prstGeom prst="rect">
             <a:avLst/>
@@ -6787,6 +6701,23 @@
                 </a:solidFill>
               </a:rPr>
               <a:t>·  Instalar o Python no computador</a:t>
+            </a:r>
+          </a:p>
+          <a:p>
+            <a:endParaRPr lang="pt-BR" sz="3600" dirty="0">
+              <a:solidFill>
+                <a:schemeClr val="bg1"/>
+              </a:solidFill>
+            </a:endParaRPr>
+          </a:p>
+          <a:p>
+            <a:r>
+              <a:rPr lang="pt-BR" sz="3600" dirty="0">
+                <a:solidFill>
+                  <a:schemeClr val="bg1"/>
+                </a:solidFill>
+              </a:rPr>
+              <a:t>· Desinstalar ou modificar o Python</a:t>
             </a:r>
           </a:p>
           <a:p>
@@ -6826,7 +6757,13 @@
   <p:cSld>
     <p:spTree>
       <p:nvGrpSpPr>
-        <p:cNvPr id="1" name=""/>
+        <p:cNvPr id="1" name="">
+          <a:extLst>
+            <a:ext uri="{FF2B5EF4-FFF2-40B4-BE49-F238E27FC236}">
+              <a16:creationId xmlns:a16="http://schemas.microsoft.com/office/drawing/2014/main" id="{563B7EBB-21C0-8210-78EE-51AB30F19A51}"/>
+            </a:ext>
+          </a:extLst>
+        </p:cNvPr>
         <p:cNvGrpSpPr/>
         <p:nvPr/>
       </p:nvGrpSpPr>
@@ -6840,10 +6777,10 @@
       </p:grpSpPr>
       <p:sp>
         <p:nvSpPr>
-          <p:cNvPr id="3" name="Retângulo 2">
-            <a:extLst>
-              <a:ext uri="{FF2B5EF4-FFF2-40B4-BE49-F238E27FC236}">
-                <a16:creationId xmlns:a16="http://schemas.microsoft.com/office/drawing/2014/main" id="{1ED182C0-900A-A4B2-3CF2-A03061B5BEFF}"/>
+          <p:cNvPr id="2" name="Retângulo 1">
+            <a:extLst>
+              <a:ext uri="{FF2B5EF4-FFF2-40B4-BE49-F238E27FC236}">
+                <a16:creationId xmlns:a16="http://schemas.microsoft.com/office/drawing/2014/main" id="{9068F5DC-853D-CFEA-F09A-CFA0DC5738B1}"/>
               </a:ext>
             </a:extLst>
           </p:cNvPr>
@@ -6852,8 +6789,8 @@
         </p:nvSpPr>
         <p:spPr>
           <a:xfrm>
-            <a:off x="0" y="647425"/>
-            <a:ext cx="12192000" cy="6210575"/>
+            <a:off x="3721768" y="0"/>
+            <a:ext cx="8470232" cy="6858000"/>
           </a:xfrm>
           <a:prstGeom prst="rect">
             <a:avLst/>
@@ -6886,10 +6823,10 @@
       </p:sp>
       <p:sp>
         <p:nvSpPr>
-          <p:cNvPr id="2" name="CaixaDeTexto 1">
-            <a:extLst>
-              <a:ext uri="{FF2B5EF4-FFF2-40B4-BE49-F238E27FC236}">
-                <a16:creationId xmlns:a16="http://schemas.microsoft.com/office/drawing/2014/main" id="{CB90E073-C8A7-4E49-9C0B-94EE3539BD24}"/>
+          <p:cNvPr id="3" name="CaixaDeTexto 2">
+            <a:extLst>
+              <a:ext uri="{FF2B5EF4-FFF2-40B4-BE49-F238E27FC236}">
+                <a16:creationId xmlns:a16="http://schemas.microsoft.com/office/drawing/2014/main" id="{F177F7CC-F612-2F23-9550-849652FF9B9B}"/>
               </a:ext>
             </a:extLst>
           </p:cNvPr>
@@ -6898,8 +6835,58 @@
         </p:nvSpPr>
         <p:spPr>
           <a:xfrm>
-            <a:off x="153210" y="114069"/>
-            <a:ext cx="8858774" cy="461665"/>
+            <a:off x="803233" y="258047"/>
+            <a:ext cx="1923925" cy="584775"/>
+          </a:xfrm>
+          <a:prstGeom prst="rect">
+            <a:avLst/>
+          </a:prstGeom>
+          <a:noFill/>
+        </p:spPr>
+        <p:txBody>
+          <a:bodyPr wrap="square">
+            <a:spAutoFit/>
+          </a:bodyPr>
+          <a:lstStyle/>
+          <a:p>
+            <a:pPr>
+              <a:spcBef>
+                <a:spcPct val="0"/>
+              </a:spcBef>
+              <a:spcAft>
+                <a:spcPts val="600"/>
+              </a:spcAft>
+            </a:pPr>
+            <a:r>
+              <a:rPr lang="en-US" sz="3200" dirty="0">
+                <a:ln w="3175" cmpd="sng">
+                  <a:noFill/>
+                </a:ln>
+                <a:latin typeface="+mj-lt"/>
+                <a:ea typeface="+mj-ea"/>
+                <a:cs typeface="+mj-cs"/>
+              </a:rPr>
+              <a:t>Conteúdo</a:t>
+            </a:r>
+          </a:p>
+        </p:txBody>
+      </p:sp>
+      <p:sp>
+        <p:nvSpPr>
+          <p:cNvPr id="4" name="CaixaDeTexto 3">
+            <a:extLst>
+              <a:ext uri="{FF2B5EF4-FFF2-40B4-BE49-F238E27FC236}">
+                <a16:creationId xmlns:a16="http://schemas.microsoft.com/office/drawing/2014/main" id="{2F3EDAC2-9BD2-F705-FA23-9F4908CF5491}"/>
+              </a:ext>
+            </a:extLst>
+          </p:cNvPr>
+          <p:cNvSpPr txBox="1"/>
+          <p:nvPr/>
+        </p:nvSpPr>
+        <p:spPr>
+          <a:xfrm>
+            <a:off x="4182864" y="1198420"/>
+            <a:ext cx="7548039" cy="646331"/>
           </a:xfrm>
           <a:prstGeom prst="rect">
             <a:avLst/>
@@ -6913,57 +6900,20 @@
           <a:lstStyle/>
           <a:p>
             <a:r>
-              <a:rPr lang="pt-BR" sz="2400" b="1" dirty="0"/>
-              <a:t>Passo 2: </a:t>
-            </a:r>
-            <a:r>
-              <a:rPr lang="pt-BR" sz="2400" dirty="0"/>
-              <a:t>Clique em “Sistema e Segurança” (seta vermelha).</a:t>
-            </a:r>
-            <a:endParaRPr lang="pt-BR" sz="2400" b="1" dirty="0"/>
-          </a:p>
-        </p:txBody>
-      </p:sp>
-      <p:pic>
-        <p:nvPicPr>
-          <p:cNvPr id="4" name="Imagem 3" descr="Tela de celular com publicação numa rede social&#10;&#10;Descrição gerada automaticamente">
-            <a:extLst>
-              <a:ext uri="{FF2B5EF4-FFF2-40B4-BE49-F238E27FC236}">
-                <a16:creationId xmlns:a16="http://schemas.microsoft.com/office/drawing/2014/main" id="{CD816637-E2DB-409D-B555-AEA2B50B66FA}"/>
-              </a:ext>
-            </a:extLst>
-          </p:cNvPr>
-          <p:cNvPicPr>
-            <a:picLocks noChangeAspect="1"/>
-          </p:cNvPicPr>
-          <p:nvPr/>
-        </p:nvPicPr>
-        <p:blipFill>
-          <a:blip r:embed="rId2">
-            <a:extLst>
-              <a:ext uri="{28A0092B-C50C-407E-A947-70E740481C1C}">
-                <a14:useLocalDpi xmlns:a14="http://schemas.microsoft.com/office/drawing/2010/main" val="0"/>
-              </a:ext>
-            </a:extLst>
-          </a:blip>
-          <a:stretch>
-            <a:fillRect/>
-          </a:stretch>
-        </p:blipFill>
-        <p:spPr>
-          <a:xfrm>
-            <a:off x="153210" y="790807"/>
-            <a:ext cx="10619048" cy="5923809"/>
-          </a:xfrm>
-          <a:prstGeom prst="rect">
-            <a:avLst/>
-          </a:prstGeom>
-        </p:spPr>
-      </p:pic>
+              <a:rPr lang="pt-BR" sz="3600" dirty="0">
+                <a:solidFill>
+                  <a:schemeClr val="bg1"/>
+                </a:solidFill>
+              </a:rPr>
+              <a:t>· Configurar as variáveis de ambiente </a:t>
+            </a:r>
+          </a:p>
+        </p:txBody>
+      </p:sp>
     </p:spTree>
     <p:extLst>
       <p:ext uri="{BB962C8B-B14F-4D97-AF65-F5344CB8AC3E}">
-        <p14:creationId xmlns:p14="http://schemas.microsoft.com/office/powerpoint/2010/main" val="3346359566"/>
+        <p14:creationId xmlns:p14="http://schemas.microsoft.com/office/powerpoint/2010/main" val="3704370122"/>
       </p:ext>
     </p:extLst>
   </p:cSld>
@@ -6992,10 +6942,10 @@
       </p:grpSpPr>
       <p:sp>
         <p:nvSpPr>
-          <p:cNvPr id="3" name="Retângulo 2">
-            <a:extLst>
-              <a:ext uri="{FF2B5EF4-FFF2-40B4-BE49-F238E27FC236}">
-                <a16:creationId xmlns:a16="http://schemas.microsoft.com/office/drawing/2014/main" id="{0479E347-F67C-BD2A-C893-E371BE2FC5BD}"/>
+          <p:cNvPr id="7" name="Retângulo 6">
+            <a:extLst>
+              <a:ext uri="{FF2B5EF4-FFF2-40B4-BE49-F238E27FC236}">
+                <a16:creationId xmlns:a16="http://schemas.microsoft.com/office/drawing/2014/main" id="{63E9827C-41B9-CCDE-C3B5-8DD2F2186B99}"/>
               </a:ext>
             </a:extLst>
           </p:cNvPr>
@@ -7004,8 +6954,8 @@
         </p:nvSpPr>
         <p:spPr>
           <a:xfrm>
-            <a:off x="0" y="740087"/>
-            <a:ext cx="12192000" cy="6117913"/>
+            <a:off x="0" y="882316"/>
+            <a:ext cx="12192000" cy="5975683"/>
           </a:xfrm>
           <a:prstGeom prst="rect">
             <a:avLst/>
@@ -7041,7 +6991,7 @@
           <p:cNvPr id="2" name="CaixaDeTexto 1">
             <a:extLst>
               <a:ext uri="{FF2B5EF4-FFF2-40B4-BE49-F238E27FC236}">
-                <a16:creationId xmlns:a16="http://schemas.microsoft.com/office/drawing/2014/main" id="{B3EFBA9D-735E-41F8-9E7A-4D4D62EFECD2}"/>
+                <a16:creationId xmlns:a16="http://schemas.microsoft.com/office/drawing/2014/main" id="{1B8D8F9E-DAE0-4F5A-8D1F-5ADED9E681E7}"/>
               </a:ext>
             </a:extLst>
           </p:cNvPr>
@@ -7050,8 +7000,8 @@
         </p:nvSpPr>
         <p:spPr>
           <a:xfrm>
-            <a:off x="184558" y="260059"/>
-            <a:ext cx="8137321" cy="461665"/>
+            <a:off x="276837" y="268448"/>
+            <a:ext cx="9295002" cy="584775"/>
           </a:xfrm>
           <a:prstGeom prst="rect">
             <a:avLst/>
@@ -7065,18 +7015,100 @@
           <a:lstStyle/>
           <a:p>
             <a:r>
-              <a:rPr lang="pt-BR" sz="2400" b="1" dirty="0"/>
-              <a:t>Passo 3: </a:t>
-            </a:r>
-            <a:r>
-              <a:rPr lang="pt-BR" sz="2400" dirty="0"/>
-              <a:t>clique em ”Sistema” (seta vermelha</a:t>
-            </a:r>
-            <a:r>
-              <a:rPr lang="pt-BR" dirty="0"/>
-              <a:t>)</a:t>
-            </a:r>
-            <a:endParaRPr lang="pt-BR" b="1" dirty="0"/>
+              <a:rPr lang="pt-BR" sz="3200" dirty="0"/>
+              <a:t>Configurando as variáveis de ambiente</a:t>
+            </a:r>
+          </a:p>
+        </p:txBody>
+      </p:sp>
+      <p:sp>
+        <p:nvSpPr>
+          <p:cNvPr id="3" name="CaixaDeTexto 2">
+            <a:extLst>
+              <a:ext uri="{FF2B5EF4-FFF2-40B4-BE49-F238E27FC236}">
+                <a16:creationId xmlns:a16="http://schemas.microsoft.com/office/drawing/2014/main" id="{CB01744B-6F29-473E-8AD7-9641113914C7}"/>
+              </a:ext>
+            </a:extLst>
+          </p:cNvPr>
+          <p:cNvSpPr txBox="1"/>
+          <p:nvPr/>
+        </p:nvSpPr>
+        <p:spPr>
+          <a:xfrm>
+            <a:off x="394283" y="1124125"/>
+            <a:ext cx="10956022" cy="646331"/>
+          </a:xfrm>
+          <a:prstGeom prst="rect">
+            <a:avLst/>
+          </a:prstGeom>
+          <a:noFill/>
+        </p:spPr>
+        <p:txBody>
+          <a:bodyPr wrap="square" rtlCol="0">
+            <a:spAutoFit/>
+          </a:bodyPr>
+          <a:lstStyle/>
+          <a:p>
+            <a:r>
+              <a:rPr lang="pt-BR" dirty="0">
+                <a:solidFill>
+                  <a:schemeClr val="bg1"/>
+                </a:solidFill>
+              </a:rPr>
+              <a:t>· Após o Python ter sido instalado, já podemos começar a aprender a linguagem. Mas antes temos que entender onde acessar as variáveis de ambiente do Windows e configurar o PATH (caminho, em inglês). </a:t>
+            </a:r>
+          </a:p>
+        </p:txBody>
+      </p:sp>
+      <p:sp>
+        <p:nvSpPr>
+          <p:cNvPr id="4" name="CaixaDeTexto 3">
+            <a:extLst>
+              <a:ext uri="{FF2B5EF4-FFF2-40B4-BE49-F238E27FC236}">
+                <a16:creationId xmlns:a16="http://schemas.microsoft.com/office/drawing/2014/main" id="{7EC3503A-1202-4A40-A5E7-6D30965C12D3}"/>
+              </a:ext>
+            </a:extLst>
+          </p:cNvPr>
+          <p:cNvSpPr txBox="1"/>
+          <p:nvPr/>
+        </p:nvSpPr>
+        <p:spPr>
+          <a:xfrm>
+            <a:off x="478172" y="1956934"/>
+            <a:ext cx="9093667" cy="646331"/>
+          </a:xfrm>
+          <a:prstGeom prst="rect">
+            <a:avLst/>
+          </a:prstGeom>
+          <a:noFill/>
+        </p:spPr>
+        <p:txBody>
+          <a:bodyPr wrap="square" rtlCol="0">
+            <a:spAutoFit/>
+          </a:bodyPr>
+          <a:lstStyle/>
+          <a:p>
+            <a:r>
+              <a:rPr lang="pt-BR" b="1" dirty="0">
+                <a:solidFill>
+                  <a:schemeClr val="bg1"/>
+                </a:solidFill>
+              </a:rPr>
+              <a:t>Passo 1: </a:t>
+            </a:r>
+            <a:r>
+              <a:rPr lang="pt-BR" dirty="0">
+                <a:solidFill>
+                  <a:schemeClr val="bg1"/>
+                </a:solidFill>
+              </a:rPr>
+              <a:t>Digite “painel de controle” na busca do computador. E clique no ícone (seta vermelha). </a:t>
+            </a:r>
+            <a:endParaRPr lang="pt-BR" b="1" dirty="0">
+              <a:solidFill>
+                <a:schemeClr val="bg1"/>
+              </a:solidFill>
+            </a:endParaRPr>
           </a:p>
         </p:txBody>
       </p:sp>
@@ -7085,7 +7117,7 @@
           <p:cNvPr id="6" name="Imagem 5" descr="Tela de celular com publicação numa rede social&#10;&#10;Descrição gerada automaticamente">
             <a:extLst>
               <a:ext uri="{FF2B5EF4-FFF2-40B4-BE49-F238E27FC236}">
-                <a16:creationId xmlns:a16="http://schemas.microsoft.com/office/drawing/2014/main" id="{B79642A4-60F2-49AA-8FBB-19F4FB5E11B0}"/>
+                <a16:creationId xmlns:a16="http://schemas.microsoft.com/office/drawing/2014/main" id="{176DB7D3-9F53-457F-A2AD-ED8D209AAA91}"/>
               </a:ext>
             </a:extLst>
           </p:cNvPr>
@@ -7108,18 +7140,94 @@
         </p:blipFill>
         <p:spPr>
           <a:xfrm>
-            <a:off x="184558" y="915799"/>
-            <a:ext cx="10387189" cy="5817936"/>
+            <a:off x="478172" y="2692704"/>
+            <a:ext cx="4791790" cy="4143920"/>
           </a:xfrm>
           <a:prstGeom prst="rect">
             <a:avLst/>
           </a:prstGeom>
         </p:spPr>
       </p:pic>
+      <p:sp>
+        <p:nvSpPr>
+          <p:cNvPr id="5" name="CaixaDeTexto 4">
+            <a:extLst>
+              <a:ext uri="{FF2B5EF4-FFF2-40B4-BE49-F238E27FC236}">
+                <a16:creationId xmlns:a16="http://schemas.microsoft.com/office/drawing/2014/main" id="{42F381A2-A4EF-49EA-BF2B-9A33724698B7}"/>
+              </a:ext>
+            </a:extLst>
+          </p:cNvPr>
+          <p:cNvSpPr txBox="1"/>
+          <p:nvPr/>
+        </p:nvSpPr>
+        <p:spPr>
+          <a:xfrm>
+            <a:off x="5452844" y="2692704"/>
+            <a:ext cx="5897461" cy="2585323"/>
+          </a:xfrm>
+          <a:prstGeom prst="rect">
+            <a:avLst/>
+          </a:prstGeom>
+          <a:noFill/>
+        </p:spPr>
+        <p:txBody>
+          <a:bodyPr wrap="square" rtlCol="0">
+            <a:spAutoFit/>
+          </a:bodyPr>
+          <a:lstStyle/>
+          <a:p>
+            <a:r>
+              <a:rPr lang="pt-BR" dirty="0">
+                <a:solidFill>
+                  <a:schemeClr val="bg1"/>
+                </a:solidFill>
+              </a:rPr>
+              <a:t>· As variáveis de ambiente é o local onde se configura os caminhos do Windows.</a:t>
+            </a:r>
+          </a:p>
+          <a:p>
+            <a:endParaRPr lang="pt-BR" dirty="0">
+              <a:solidFill>
+                <a:schemeClr val="bg1"/>
+              </a:solidFill>
+            </a:endParaRPr>
+          </a:p>
+          <a:p>
+            <a:r>
+              <a:rPr lang="pt-BR" dirty="0">
+                <a:solidFill>
+                  <a:schemeClr val="bg1"/>
+                </a:solidFill>
+              </a:rPr>
+              <a:t>· O intuito de configurar as variáveis de ambiente e ter acesso ao Python no terminal e ao pip. </a:t>
+            </a:r>
+          </a:p>
+          <a:p>
+            <a:endParaRPr lang="pt-BR" dirty="0">
+              <a:solidFill>
+                <a:schemeClr val="bg1"/>
+              </a:solidFill>
+            </a:endParaRPr>
+          </a:p>
+          <a:p>
+            <a:r>
+              <a:rPr lang="pt-BR" dirty="0">
+                <a:solidFill>
+                  <a:schemeClr val="bg1"/>
+                </a:solidFill>
+              </a:rPr>
+              <a:t>· Sem configurar o PATH, não será possível instalar novos pacotes para o Python e acessa-lo via terminal. </a:t>
+            </a:r>
+          </a:p>
+          <a:p>
+            <a:endParaRPr lang="pt-BR" dirty="0"/>
+          </a:p>
+        </p:txBody>
+      </p:sp>
     </p:spTree>
     <p:extLst>
       <p:ext uri="{BB962C8B-B14F-4D97-AF65-F5344CB8AC3E}">
-        <p14:creationId xmlns:p14="http://schemas.microsoft.com/office/powerpoint/2010/main" val="2947995"/>
+        <p14:creationId xmlns:p14="http://schemas.microsoft.com/office/powerpoint/2010/main" val="4087644485"/>
       </p:ext>
     </p:extLst>
   </p:cSld>
@@ -7151,7 +7259,7 @@
           <p:cNvPr id="3" name="Retângulo 2">
             <a:extLst>
               <a:ext uri="{FF2B5EF4-FFF2-40B4-BE49-F238E27FC236}">
-                <a16:creationId xmlns:a16="http://schemas.microsoft.com/office/drawing/2014/main" id="{E6805C25-C0D1-26FA-0FC6-9DC67F4AD96E}"/>
+                <a16:creationId xmlns:a16="http://schemas.microsoft.com/office/drawing/2014/main" id="{1ED182C0-900A-A4B2-3CF2-A03061B5BEFF}"/>
               </a:ext>
             </a:extLst>
           </p:cNvPr>
@@ -7160,8 +7268,8 @@
         </p:nvSpPr>
         <p:spPr>
           <a:xfrm>
-            <a:off x="0" y="914400"/>
-            <a:ext cx="12192000" cy="5943599"/>
+            <a:off x="0" y="647425"/>
+            <a:ext cx="12192000" cy="6210575"/>
           </a:xfrm>
           <a:prstGeom prst="rect">
             <a:avLst/>
@@ -7197,7 +7305,7 @@
           <p:cNvPr id="2" name="CaixaDeTexto 1">
             <a:extLst>
               <a:ext uri="{FF2B5EF4-FFF2-40B4-BE49-F238E27FC236}">
-                <a16:creationId xmlns:a16="http://schemas.microsoft.com/office/drawing/2014/main" id="{ED01B9CB-2E87-4020-93EF-ECC78138D1B0}"/>
+                <a16:creationId xmlns:a16="http://schemas.microsoft.com/office/drawing/2014/main" id="{CB90E073-C8A7-4E49-9C0B-94EE3539BD24}"/>
               </a:ext>
             </a:extLst>
           </p:cNvPr>
@@ -7206,8 +7314,8 @@
         </p:nvSpPr>
         <p:spPr>
           <a:xfrm>
-            <a:off x="201336" y="201336"/>
-            <a:ext cx="11375176" cy="461665"/>
+            <a:off x="153210" y="114069"/>
+            <a:ext cx="8858774" cy="461665"/>
           </a:xfrm>
           <a:prstGeom prst="rect">
             <a:avLst/>
@@ -7222,11 +7330,11 @@
           <a:p>
             <a:r>
               <a:rPr lang="pt-BR" sz="2400" b="1" dirty="0"/>
-              <a:t>Passo 4: </a:t>
+              <a:t>Passo 2: </a:t>
             </a:r>
             <a:r>
               <a:rPr lang="pt-BR" sz="2400" dirty="0"/>
-              <a:t> Clique em “Configurações avançadas do Sistema” (seta vermelha de cima).</a:t>
+              <a:t>Clique em “Sistema e Segurança” (seta vermelha).</a:t>
             </a:r>
             <a:endParaRPr lang="pt-BR" sz="2400" b="1" dirty="0"/>
           </a:p>
@@ -7237,7 +7345,7 @@
           <p:cNvPr id="4" name="Imagem 3" descr="Tela de celular com publicação numa rede social&#10;&#10;Descrição gerada automaticamente">
             <a:extLst>
               <a:ext uri="{FF2B5EF4-FFF2-40B4-BE49-F238E27FC236}">
-                <a16:creationId xmlns:a16="http://schemas.microsoft.com/office/drawing/2014/main" id="{A1628C4F-02CB-47D5-96E3-A259EFF7035F}"/>
+                <a16:creationId xmlns:a16="http://schemas.microsoft.com/office/drawing/2014/main" id="{CD816637-E2DB-409D-B555-AEA2B50B66FA}"/>
               </a:ext>
             </a:extLst>
           </p:cNvPr>
@@ -7260,57 +7368,18 @@
         </p:blipFill>
         <p:spPr>
           <a:xfrm>
-            <a:off x="201335" y="1125755"/>
-            <a:ext cx="8070181" cy="5371298"/>
+            <a:off x="153210" y="790807"/>
+            <a:ext cx="10619048" cy="5923809"/>
           </a:xfrm>
           <a:prstGeom prst="rect">
             <a:avLst/>
           </a:prstGeom>
         </p:spPr>
       </p:pic>
-      <p:sp>
-        <p:nvSpPr>
-          <p:cNvPr id="5" name="CaixaDeTexto 4">
-            <a:extLst>
-              <a:ext uri="{FF2B5EF4-FFF2-40B4-BE49-F238E27FC236}">
-                <a16:creationId xmlns:a16="http://schemas.microsoft.com/office/drawing/2014/main" id="{EFD86310-AF6B-47B8-A0BA-CB4C5C1A53B8}"/>
-              </a:ext>
-            </a:extLst>
-          </p:cNvPr>
-          <p:cNvSpPr txBox="1"/>
-          <p:nvPr/>
-        </p:nvSpPr>
-        <p:spPr>
-          <a:xfrm>
-            <a:off x="8472851" y="1125755"/>
-            <a:ext cx="3302054" cy="1015663"/>
-          </a:xfrm>
-          <a:prstGeom prst="rect">
-            <a:avLst/>
-          </a:prstGeom>
-          <a:noFill/>
-        </p:spPr>
-        <p:txBody>
-          <a:bodyPr wrap="square" rtlCol="0">
-            <a:spAutoFit/>
-          </a:bodyPr>
-          <a:lstStyle/>
-          <a:p>
-            <a:r>
-              <a:rPr lang="pt-BR" sz="2000" dirty="0">
-                <a:solidFill>
-                  <a:schemeClr val="bg1"/>
-                </a:solidFill>
-              </a:rPr>
-              <a:t>· Aqui você pode verificar o tipo de sistema, se ele é 32 ou 64 bits.</a:t>
-            </a:r>
-          </a:p>
-        </p:txBody>
-      </p:sp>
     </p:spTree>
     <p:extLst>
       <p:ext uri="{BB962C8B-B14F-4D97-AF65-F5344CB8AC3E}">
-        <p14:creationId xmlns:p14="http://schemas.microsoft.com/office/powerpoint/2010/main" val="2613240389"/>
+        <p14:creationId xmlns:p14="http://schemas.microsoft.com/office/powerpoint/2010/main" val="3346359566"/>
       </p:ext>
     </p:extLst>
   </p:cSld>
@@ -7325,13 +7394,7 @@
   <p:cSld>
     <p:spTree>
       <p:nvGrpSpPr>
-        <p:cNvPr id="1" name="">
-          <a:extLst>
-            <a:ext uri="{FF2B5EF4-FFF2-40B4-BE49-F238E27FC236}">
-              <a16:creationId xmlns:a16="http://schemas.microsoft.com/office/drawing/2014/main" id="{63EBD3F1-21C2-1E4A-F5ED-6759E37207D7}"/>
-            </a:ext>
-          </a:extLst>
-        </p:cNvPr>
+        <p:cNvPr id="1" name=""/>
         <p:cNvGrpSpPr/>
         <p:nvPr/>
       </p:nvGrpSpPr>
@@ -7345,10 +7408,10 @@
       </p:grpSpPr>
       <p:sp>
         <p:nvSpPr>
-          <p:cNvPr id="2" name="Retângulo 1">
-            <a:extLst>
-              <a:ext uri="{FF2B5EF4-FFF2-40B4-BE49-F238E27FC236}">
-                <a16:creationId xmlns:a16="http://schemas.microsoft.com/office/drawing/2014/main" id="{9FA794C8-DD1D-F56F-442E-5A539786A55A}"/>
+          <p:cNvPr id="3" name="Retângulo 2">
+            <a:extLst>
+              <a:ext uri="{FF2B5EF4-FFF2-40B4-BE49-F238E27FC236}">
+                <a16:creationId xmlns:a16="http://schemas.microsoft.com/office/drawing/2014/main" id="{0479E347-F67C-BD2A-C893-E371BE2FC5BD}"/>
               </a:ext>
             </a:extLst>
           </p:cNvPr>
@@ -7357,8 +7420,8 @@
         </p:nvSpPr>
         <p:spPr>
           <a:xfrm>
-            <a:off x="0" y="745324"/>
-            <a:ext cx="12192000" cy="6112675"/>
+            <a:off x="0" y="740087"/>
+            <a:ext cx="12192000" cy="6117913"/>
           </a:xfrm>
           <a:prstGeom prst="rect">
             <a:avLst/>
@@ -7389,12 +7452,56 @@
           </a:p>
         </p:txBody>
       </p:sp>
+      <p:sp>
+        <p:nvSpPr>
+          <p:cNvPr id="2" name="CaixaDeTexto 1">
+            <a:extLst>
+              <a:ext uri="{FF2B5EF4-FFF2-40B4-BE49-F238E27FC236}">
+                <a16:creationId xmlns:a16="http://schemas.microsoft.com/office/drawing/2014/main" id="{B3EFBA9D-735E-41F8-9E7A-4D4D62EFECD2}"/>
+              </a:ext>
+            </a:extLst>
+          </p:cNvPr>
+          <p:cNvSpPr txBox="1"/>
+          <p:nvPr/>
+        </p:nvSpPr>
+        <p:spPr>
+          <a:xfrm>
+            <a:off x="184558" y="260059"/>
+            <a:ext cx="8137321" cy="461665"/>
+          </a:xfrm>
+          <a:prstGeom prst="rect">
+            <a:avLst/>
+          </a:prstGeom>
+          <a:noFill/>
+        </p:spPr>
+        <p:txBody>
+          <a:bodyPr wrap="square" rtlCol="0">
+            <a:spAutoFit/>
+          </a:bodyPr>
+          <a:lstStyle/>
+          <a:p>
+            <a:r>
+              <a:rPr lang="pt-BR" sz="2400" b="1" dirty="0"/>
+              <a:t>Passo 3: </a:t>
+            </a:r>
+            <a:r>
+              <a:rPr lang="pt-BR" sz="2400" dirty="0"/>
+              <a:t>clique em ”Sistema” (seta vermelha</a:t>
+            </a:r>
+            <a:r>
+              <a:rPr lang="pt-BR" dirty="0"/>
+              <a:t>)</a:t>
+            </a:r>
+            <a:endParaRPr lang="pt-BR" b="1" dirty="0"/>
+          </a:p>
+        </p:txBody>
+      </p:sp>
       <p:pic>
         <p:nvPicPr>
-          <p:cNvPr id="3" name="Imagem 2" descr="Tela de celular com publicação numa rede social&#10;&#10;Descrição gerada automaticamente">
-            <a:extLst>
-              <a:ext uri="{FF2B5EF4-FFF2-40B4-BE49-F238E27FC236}">
-                <a16:creationId xmlns:a16="http://schemas.microsoft.com/office/drawing/2014/main" id="{E4107B41-C50F-AF0A-32F6-C0A7523F0B8C}"/>
+          <p:cNvPr id="6" name="Imagem 5" descr="Tela de celular com publicação numa rede social&#10;&#10;Descrição gerada automaticamente">
+            <a:extLst>
+              <a:ext uri="{FF2B5EF4-FFF2-40B4-BE49-F238E27FC236}">
+                <a16:creationId xmlns:a16="http://schemas.microsoft.com/office/drawing/2014/main" id="{B79642A4-60F2-49AA-8FBB-19F4FB5E11B0}"/>
               </a:ext>
             </a:extLst>
           </p:cNvPr>
@@ -7417,101 +7524,18 @@
         </p:blipFill>
         <p:spPr>
           <a:xfrm>
-            <a:off x="318782" y="1200428"/>
-            <a:ext cx="4563982" cy="5184330"/>
+            <a:off x="184558" y="915799"/>
+            <a:ext cx="10387189" cy="5817936"/>
           </a:xfrm>
           <a:prstGeom prst="rect">
             <a:avLst/>
           </a:prstGeom>
         </p:spPr>
       </p:pic>
-      <p:sp>
-        <p:nvSpPr>
-          <p:cNvPr id="5" name="CaixaDeTexto 4">
-            <a:extLst>
-              <a:ext uri="{FF2B5EF4-FFF2-40B4-BE49-F238E27FC236}">
-                <a16:creationId xmlns:a16="http://schemas.microsoft.com/office/drawing/2014/main" id="{136DF000-92BC-7559-F294-1EDA6B3AC2DF}"/>
-              </a:ext>
-            </a:extLst>
-          </p:cNvPr>
-          <p:cNvSpPr txBox="1"/>
-          <p:nvPr/>
-        </p:nvSpPr>
-        <p:spPr>
-          <a:xfrm>
-            <a:off x="318782" y="176169"/>
-            <a:ext cx="5966249" cy="461665"/>
-          </a:xfrm>
-          <a:prstGeom prst="rect">
-            <a:avLst/>
-          </a:prstGeom>
-          <a:noFill/>
-        </p:spPr>
-        <p:txBody>
-          <a:bodyPr wrap="none" rtlCol="0">
-            <a:spAutoFit/>
-          </a:bodyPr>
-          <a:lstStyle/>
-          <a:p>
-            <a:r>
-              <a:rPr lang="pt-BR" sz="2400" b="1" dirty="0"/>
-              <a:t>Passo 5: </a:t>
-            </a:r>
-            <a:r>
-              <a:rPr lang="pt-BR" sz="2400" dirty="0"/>
-              <a:t>Clique em “variáveis de Ambiente</a:t>
-            </a:r>
-            <a:r>
-              <a:rPr lang="pt-BR" dirty="0"/>
-              <a:t>”</a:t>
-            </a:r>
-            <a:endParaRPr lang="pt-BR" b="1" dirty="0"/>
-          </a:p>
-        </p:txBody>
-      </p:sp>
-      <p:sp>
-        <p:nvSpPr>
-          <p:cNvPr id="11" name="CaixaDeTexto 10">
-            <a:extLst>
-              <a:ext uri="{FF2B5EF4-FFF2-40B4-BE49-F238E27FC236}">
-                <a16:creationId xmlns:a16="http://schemas.microsoft.com/office/drawing/2014/main" id="{A24D3A84-7ACA-47A4-E3F9-BDAD6E898996}"/>
-              </a:ext>
-            </a:extLst>
-          </p:cNvPr>
-          <p:cNvSpPr txBox="1"/>
-          <p:nvPr/>
-        </p:nvSpPr>
-        <p:spPr>
-          <a:xfrm>
-            <a:off x="5542698" y="1200428"/>
-            <a:ext cx="4521666" cy="2123658"/>
-          </a:xfrm>
-          <a:prstGeom prst="rect">
-            <a:avLst/>
-          </a:prstGeom>
-          <a:noFill/>
-        </p:spPr>
-        <p:txBody>
-          <a:bodyPr wrap="square" rtlCol="0">
-            <a:spAutoFit/>
-          </a:bodyPr>
-          <a:lstStyle/>
-          <a:p>
-            <a:r>
-              <a:rPr lang="pt-BR" sz="2200" dirty="0">
-                <a:solidFill>
-                  <a:schemeClr val="bg1"/>
-                </a:solidFill>
-              </a:rPr>
-              <a:t>· Existem as variáveis de usuário, onde os caminhos (Path) serão acessados apenas nesse usuário. E existem as variáveis do sistema, onde  qualquer usuário do computador pode testar.</a:t>
-            </a:r>
-          </a:p>
-        </p:txBody>
-      </p:sp>
     </p:spTree>
     <p:extLst>
       <p:ext uri="{BB962C8B-B14F-4D97-AF65-F5344CB8AC3E}">
-        <p14:creationId xmlns:p14="http://schemas.microsoft.com/office/powerpoint/2010/main" val="4099359101"/>
+        <p14:creationId xmlns:p14="http://schemas.microsoft.com/office/powerpoint/2010/main" val="2947995"/>
       </p:ext>
     </p:extLst>
   </p:cSld>
@@ -7540,10 +7564,10 @@
       </p:grpSpPr>
       <p:sp>
         <p:nvSpPr>
-          <p:cNvPr id="2" name="Retângulo 1">
-            <a:extLst>
-              <a:ext uri="{FF2B5EF4-FFF2-40B4-BE49-F238E27FC236}">
-                <a16:creationId xmlns:a16="http://schemas.microsoft.com/office/drawing/2014/main" id="{3885E183-392B-214B-BA9E-7EFA39264004}"/>
+          <p:cNvPr id="3" name="Retângulo 2">
+            <a:extLst>
+              <a:ext uri="{FF2B5EF4-FFF2-40B4-BE49-F238E27FC236}">
+                <a16:creationId xmlns:a16="http://schemas.microsoft.com/office/drawing/2014/main" id="{E6805C25-C0D1-26FA-0FC6-9DC67F4AD96E}"/>
               </a:ext>
             </a:extLst>
           </p:cNvPr>
@@ -7552,8 +7576,8 @@
         </p:nvSpPr>
         <p:spPr>
           <a:xfrm>
-            <a:off x="0" y="929991"/>
-            <a:ext cx="12192000" cy="5928008"/>
+            <a:off x="0" y="914400"/>
+            <a:ext cx="12192000" cy="5943599"/>
           </a:xfrm>
           <a:prstGeom prst="rect">
             <a:avLst/>
@@ -7584,12 +7608,52 @@
           </a:p>
         </p:txBody>
       </p:sp>
+      <p:sp>
+        <p:nvSpPr>
+          <p:cNvPr id="2" name="CaixaDeTexto 1">
+            <a:extLst>
+              <a:ext uri="{FF2B5EF4-FFF2-40B4-BE49-F238E27FC236}">
+                <a16:creationId xmlns:a16="http://schemas.microsoft.com/office/drawing/2014/main" id="{ED01B9CB-2E87-4020-93EF-ECC78138D1B0}"/>
+              </a:ext>
+            </a:extLst>
+          </p:cNvPr>
+          <p:cNvSpPr txBox="1"/>
+          <p:nvPr/>
+        </p:nvSpPr>
+        <p:spPr>
+          <a:xfrm>
+            <a:off x="201336" y="201336"/>
+            <a:ext cx="11375176" cy="461665"/>
+          </a:xfrm>
+          <a:prstGeom prst="rect">
+            <a:avLst/>
+          </a:prstGeom>
+          <a:noFill/>
+        </p:spPr>
+        <p:txBody>
+          <a:bodyPr wrap="square" rtlCol="0">
+            <a:spAutoFit/>
+          </a:bodyPr>
+          <a:lstStyle/>
+          <a:p>
+            <a:r>
+              <a:rPr lang="pt-BR" sz="2400" b="1" dirty="0"/>
+              <a:t>Passo 4: </a:t>
+            </a:r>
+            <a:r>
+              <a:rPr lang="pt-BR" sz="2400" dirty="0"/>
+              <a:t> Clique em “Configurações avançadas do Sistema” (seta vermelha de cima).</a:t>
+            </a:r>
+            <a:endParaRPr lang="pt-BR" sz="2400" b="1" dirty="0"/>
+          </a:p>
+        </p:txBody>
+      </p:sp>
       <p:pic>
         <p:nvPicPr>
-          <p:cNvPr id="9" name="Imagem 8" descr="Tela de celular com publicação numa rede social&#10;&#10;Descrição gerada automaticamente">
-            <a:extLst>
-              <a:ext uri="{FF2B5EF4-FFF2-40B4-BE49-F238E27FC236}">
-                <a16:creationId xmlns:a16="http://schemas.microsoft.com/office/drawing/2014/main" id="{52098112-39F7-4B23-8367-D7954A7B8346}"/>
+          <p:cNvPr id="4" name="Imagem 3" descr="Tela de celular com publicação numa rede social&#10;&#10;Descrição gerada automaticamente">
+            <a:extLst>
+              <a:ext uri="{FF2B5EF4-FFF2-40B4-BE49-F238E27FC236}">
+                <a16:creationId xmlns:a16="http://schemas.microsoft.com/office/drawing/2014/main" id="{A1628C4F-02CB-47D5-96E3-A259EFF7035F}"/>
               </a:ext>
             </a:extLst>
           </p:cNvPr>
@@ -7612,8 +7676,8 @@
         </p:blipFill>
         <p:spPr>
           <a:xfrm>
-            <a:off x="319031" y="1108280"/>
-            <a:ext cx="5904762" cy="5571429"/>
+            <a:off x="201335" y="1125755"/>
+            <a:ext cx="8070181" cy="5371298"/>
           </a:xfrm>
           <a:prstGeom prst="rect">
             <a:avLst/>
@@ -7622,10 +7686,10 @@
       </p:pic>
       <p:sp>
         <p:nvSpPr>
-          <p:cNvPr id="10" name="CaixaDeTexto 9">
-            <a:extLst>
-              <a:ext uri="{FF2B5EF4-FFF2-40B4-BE49-F238E27FC236}">
-                <a16:creationId xmlns:a16="http://schemas.microsoft.com/office/drawing/2014/main" id="{FBD5F7F6-C8C9-4C02-B5C1-20FE487E545D}"/>
+          <p:cNvPr id="5" name="CaixaDeTexto 4">
+            <a:extLst>
+              <a:ext uri="{FF2B5EF4-FFF2-40B4-BE49-F238E27FC236}">
+                <a16:creationId xmlns:a16="http://schemas.microsoft.com/office/drawing/2014/main" id="{EFD86310-AF6B-47B8-A0BA-CB4C5C1A53B8}"/>
               </a:ext>
             </a:extLst>
           </p:cNvPr>
@@ -7634,8 +7698,8 @@
         </p:nvSpPr>
         <p:spPr>
           <a:xfrm>
-            <a:off x="173961" y="98994"/>
-            <a:ext cx="11151765" cy="830997"/>
+            <a:off x="8472851" y="1125755"/>
+            <a:ext cx="3302054" cy="1015663"/>
           </a:xfrm>
           <a:prstGeom prst="rect">
             <a:avLst/>
@@ -7649,12 +7713,12 @@
           <a:lstStyle/>
           <a:p>
             <a:r>
-              <a:rPr lang="pt-BR" sz="2400" b="1" dirty="0"/>
-              <a:t>Passo 6: </a:t>
-            </a:r>
-            <a:r>
-              <a:rPr lang="pt-BR" sz="2400" dirty="0"/>
-              <a:t>Selecione Path nas variáveis de usuário ou de sistema. Veja onde o Python não está com o caminha já definido -&gt; Clique em editar.</a:t>
+              <a:rPr lang="pt-BR" sz="2000" dirty="0">
+                <a:solidFill>
+                  <a:schemeClr val="bg1"/>
+                </a:solidFill>
+              </a:rPr>
+              <a:t>· Aqui você pode verificar o tipo de sistema, se ele é 32 ou 64 bits.</a:t>
             </a:r>
           </a:p>
         </p:txBody>
@@ -7662,7 +7726,7 @@
     </p:spTree>
     <p:extLst>
       <p:ext uri="{BB962C8B-B14F-4D97-AF65-F5344CB8AC3E}">
-        <p14:creationId xmlns:p14="http://schemas.microsoft.com/office/powerpoint/2010/main" val="3833113352"/>
+        <p14:creationId xmlns:p14="http://schemas.microsoft.com/office/powerpoint/2010/main" val="2613240389"/>
       </p:ext>
     </p:extLst>
   </p:cSld>
@@ -7677,7 +7741,13 @@
   <p:cSld>
     <p:spTree>
       <p:nvGrpSpPr>
-        <p:cNvPr id="1" name=""/>
+        <p:cNvPr id="1" name="">
+          <a:extLst>
+            <a:ext uri="{FF2B5EF4-FFF2-40B4-BE49-F238E27FC236}">
+              <a16:creationId xmlns:a16="http://schemas.microsoft.com/office/drawing/2014/main" id="{63EBD3F1-21C2-1E4A-F5ED-6759E37207D7}"/>
+            </a:ext>
+          </a:extLst>
+        </p:cNvPr>
         <p:cNvGrpSpPr/>
         <p:nvPr/>
       </p:nvGrpSpPr>
@@ -7691,50 +7761,56 @@
       </p:grpSpPr>
       <p:sp>
         <p:nvSpPr>
-          <p:cNvPr id="2" name="CaixaDeTexto 1">
-            <a:extLst>
-              <a:ext uri="{FF2B5EF4-FFF2-40B4-BE49-F238E27FC236}">
-                <a16:creationId xmlns:a16="http://schemas.microsoft.com/office/drawing/2014/main" id="{060661CB-EEF9-4FAE-8A7B-72E1CC1819A5}"/>
-              </a:ext>
-            </a:extLst>
-          </p:cNvPr>
-          <p:cNvSpPr txBox="1"/>
-          <p:nvPr/>
-        </p:nvSpPr>
-        <p:spPr>
-          <a:xfrm>
-            <a:off x="192947" y="184558"/>
-            <a:ext cx="8531603" cy="923330"/>
-          </a:xfrm>
-          <a:prstGeom prst="rect">
-            <a:avLst/>
-          </a:prstGeom>
-          <a:noFill/>
-        </p:spPr>
-        <p:txBody>
-          <a:bodyPr wrap="square" rtlCol="0">
-            <a:spAutoFit/>
-          </a:bodyPr>
-          <a:lstStyle/>
-          <a:p>
-            <a:r>
-              <a:rPr lang="pt-BR" b="1" dirty="0"/>
-              <a:t>· </a:t>
-            </a:r>
-            <a:r>
-              <a:rPr lang="pt-BR" dirty="0"/>
-              <a:t>Aqui podemos ver todos os caminhos do usuário ou do sistema. Vemos que o Python já criou dois caminhos, pois selecionamos para adicionar ao Path. O primeiro caminho dá acesso ao python e o segundo ao pip (veremos mais à frente).</a:t>
-            </a:r>
-            <a:endParaRPr lang="pt-BR" b="1" dirty="0"/>
+          <p:cNvPr id="2" name="Retângulo 1">
+            <a:extLst>
+              <a:ext uri="{FF2B5EF4-FFF2-40B4-BE49-F238E27FC236}">
+                <a16:creationId xmlns:a16="http://schemas.microsoft.com/office/drawing/2014/main" id="{9FA794C8-DD1D-F56F-442E-5A539786A55A}"/>
+              </a:ext>
+            </a:extLst>
+          </p:cNvPr>
+          <p:cNvSpPr/>
+          <p:nvPr/>
+        </p:nvSpPr>
+        <p:spPr>
+          <a:xfrm>
+            <a:off x="0" y="745324"/>
+            <a:ext cx="12192000" cy="6112675"/>
+          </a:xfrm>
+          <a:prstGeom prst="rect">
+            <a:avLst/>
+          </a:prstGeom>
+        </p:spPr>
+        <p:style>
+          <a:lnRef idx="2">
+            <a:schemeClr val="dk1">
+              <a:shade val="15000"/>
+            </a:schemeClr>
+          </a:lnRef>
+          <a:fillRef idx="1">
+            <a:schemeClr val="dk1"/>
+          </a:fillRef>
+          <a:effectRef idx="0">
+            <a:schemeClr val="dk1"/>
+          </a:effectRef>
+          <a:fontRef idx="minor">
+            <a:schemeClr val="lt1"/>
+          </a:fontRef>
+        </p:style>
+        <p:txBody>
+          <a:bodyPr rtlCol="0" anchor="ctr"/>
+          <a:lstStyle/>
+          <a:p>
+            <a:pPr algn="ctr"/>
+            <a:endParaRPr lang="pt-BR"/>
           </a:p>
         </p:txBody>
       </p:sp>
       <p:pic>
         <p:nvPicPr>
-          <p:cNvPr id="4" name="Imagem 3" descr="Tela de celular com publicação numa rede social&#10;&#10;Descrição gerada automaticamente">
-            <a:extLst>
-              <a:ext uri="{FF2B5EF4-FFF2-40B4-BE49-F238E27FC236}">
-                <a16:creationId xmlns:a16="http://schemas.microsoft.com/office/drawing/2014/main" id="{C320EA99-80C0-4F9C-BA0F-E3BA1328077F}"/>
+          <p:cNvPr id="3" name="Imagem 2" descr="Tela de celular com publicação numa rede social&#10;&#10;Descrição gerada automaticamente">
+            <a:extLst>
+              <a:ext uri="{FF2B5EF4-FFF2-40B4-BE49-F238E27FC236}">
+                <a16:creationId xmlns:a16="http://schemas.microsoft.com/office/drawing/2014/main" id="{E4107B41-C50F-AF0A-32F6-C0A7523F0B8C}"/>
               </a:ext>
             </a:extLst>
           </p:cNvPr>
@@ -7757,8 +7833,8 @@
         </p:blipFill>
         <p:spPr>
           <a:xfrm>
-            <a:off x="192947" y="1507148"/>
-            <a:ext cx="5000000" cy="4733333"/>
+            <a:off x="318782" y="1200428"/>
+            <a:ext cx="4563982" cy="5184330"/>
           </a:xfrm>
           <a:prstGeom prst="rect">
             <a:avLst/>
@@ -7770,7 +7846,7 @@
           <p:cNvPr id="5" name="CaixaDeTexto 4">
             <a:extLst>
               <a:ext uri="{FF2B5EF4-FFF2-40B4-BE49-F238E27FC236}">
-                <a16:creationId xmlns:a16="http://schemas.microsoft.com/office/drawing/2014/main" id="{338A8E63-0356-402E-AD74-8E142D7D3A4F}"/>
+                <a16:creationId xmlns:a16="http://schemas.microsoft.com/office/drawing/2014/main" id="{136DF000-92BC-7559-F294-1EDA6B3AC2DF}"/>
               </a:ext>
             </a:extLst>
           </p:cNvPr>
@@ -7779,8 +7855,52 @@
         </p:nvSpPr>
         <p:spPr>
           <a:xfrm>
-            <a:off x="5629013" y="1381114"/>
-            <a:ext cx="5452844" cy="1754326"/>
+            <a:off x="318782" y="176169"/>
+            <a:ext cx="5966249" cy="461665"/>
+          </a:xfrm>
+          <a:prstGeom prst="rect">
+            <a:avLst/>
+          </a:prstGeom>
+          <a:noFill/>
+        </p:spPr>
+        <p:txBody>
+          <a:bodyPr wrap="none" rtlCol="0">
+            <a:spAutoFit/>
+          </a:bodyPr>
+          <a:lstStyle/>
+          <a:p>
+            <a:r>
+              <a:rPr lang="pt-BR" sz="2400" b="1" dirty="0"/>
+              <a:t>Passo 5: </a:t>
+            </a:r>
+            <a:r>
+              <a:rPr lang="pt-BR" sz="2400" dirty="0"/>
+              <a:t>Clique em “variáveis de Ambiente</a:t>
+            </a:r>
+            <a:r>
+              <a:rPr lang="pt-BR" dirty="0"/>
+              <a:t>”</a:t>
+            </a:r>
+            <a:endParaRPr lang="pt-BR" b="1" dirty="0"/>
+          </a:p>
+        </p:txBody>
+      </p:sp>
+      <p:sp>
+        <p:nvSpPr>
+          <p:cNvPr id="11" name="CaixaDeTexto 10">
+            <a:extLst>
+              <a:ext uri="{FF2B5EF4-FFF2-40B4-BE49-F238E27FC236}">
+                <a16:creationId xmlns:a16="http://schemas.microsoft.com/office/drawing/2014/main" id="{A24D3A84-7ACA-47A4-E3F9-BDAD6E898996}"/>
+              </a:ext>
+            </a:extLst>
+          </p:cNvPr>
+          <p:cNvSpPr txBox="1"/>
+          <p:nvPr/>
+        </p:nvSpPr>
+        <p:spPr>
+          <a:xfrm>
+            <a:off x="5542698" y="1200428"/>
+            <a:ext cx="4521666" cy="2123658"/>
           </a:xfrm>
           <a:prstGeom prst="rect">
             <a:avLst/>
@@ -7794,68 +7914,20 @@
           <a:lstStyle/>
           <a:p>
             <a:r>
-              <a:rPr lang="pt-BR" dirty="0"/>
-              <a:t>· Como o path está configurado, fica habilitado que o Python seja ativado no terminal de comando do Windows, o </a:t>
-            </a:r>
-            <a:r>
-              <a:rPr lang="pt-BR" dirty="0" err="1"/>
-              <a:t>cmd</a:t>
-            </a:r>
-            <a:r>
-              <a:rPr lang="pt-BR" dirty="0"/>
-              <a:t> ou no </a:t>
-            </a:r>
-            <a:r>
-              <a:rPr lang="pt-BR" dirty="0" err="1"/>
-              <a:t>powershell</a:t>
-            </a:r>
-            <a:r>
-              <a:rPr lang="pt-BR" dirty="0"/>
-              <a:t>. Não se preocupe, caso não seja possível usar esse comando, é porque o path não está configurado. Veremos a seguir como configurar.</a:t>
-            </a:r>
-          </a:p>
-        </p:txBody>
-      </p:sp>
-      <p:pic>
-        <p:nvPicPr>
-          <p:cNvPr id="7" name="Imagem 6" descr="Tela de computador com texto preto sobre fundo branco&#10;&#10;Descrição gerada automaticamente">
-            <a:extLst>
-              <a:ext uri="{FF2B5EF4-FFF2-40B4-BE49-F238E27FC236}">
-                <a16:creationId xmlns:a16="http://schemas.microsoft.com/office/drawing/2014/main" id="{AA67D548-3961-4B72-99F1-5CFBBF6CB956}"/>
-              </a:ext>
-            </a:extLst>
-          </p:cNvPr>
-          <p:cNvPicPr>
-            <a:picLocks noChangeAspect="1"/>
-          </p:cNvPicPr>
-          <p:nvPr/>
-        </p:nvPicPr>
-        <p:blipFill>
-          <a:blip r:embed="rId3">
-            <a:extLst>
-              <a:ext uri="{28A0092B-C50C-407E-A947-70E740481C1C}">
-                <a14:useLocalDpi xmlns:a14="http://schemas.microsoft.com/office/drawing/2010/main" val="0"/>
-              </a:ext>
-            </a:extLst>
-          </a:blip>
-          <a:stretch>
-            <a:fillRect/>
-          </a:stretch>
-        </p:blipFill>
-        <p:spPr>
-          <a:xfrm>
-            <a:off x="5559674" y="3135440"/>
-            <a:ext cx="6329751" cy="3303884"/>
-          </a:xfrm>
-          <a:prstGeom prst="rect">
-            <a:avLst/>
-          </a:prstGeom>
-        </p:spPr>
-      </p:pic>
+              <a:rPr lang="pt-BR" sz="2200" dirty="0">
+                <a:solidFill>
+                  <a:schemeClr val="bg1"/>
+                </a:solidFill>
+              </a:rPr>
+              <a:t>· Existem as variáveis de usuário, onde os caminhos (Path) serão acessados apenas nesse usuário. E existem as variáveis do sistema, onde  qualquer usuário do computador pode testar.</a:t>
+            </a:r>
+          </a:p>
+        </p:txBody>
+      </p:sp>
     </p:spTree>
     <p:extLst>
       <p:ext uri="{BB962C8B-B14F-4D97-AF65-F5344CB8AC3E}">
-        <p14:creationId xmlns:p14="http://schemas.microsoft.com/office/powerpoint/2010/main" val="971124740"/>
+        <p14:creationId xmlns:p14="http://schemas.microsoft.com/office/powerpoint/2010/main" val="4099359101"/>
       </p:ext>
     </p:extLst>
   </p:cSld>
@@ -7884,10 +7956,10 @@
       </p:grpSpPr>
       <p:sp>
         <p:nvSpPr>
-          <p:cNvPr id="3" name="Retângulo 2">
-            <a:extLst>
-              <a:ext uri="{FF2B5EF4-FFF2-40B4-BE49-F238E27FC236}">
-                <a16:creationId xmlns:a16="http://schemas.microsoft.com/office/drawing/2014/main" id="{F9FEE05C-7BAB-B9FB-5EDD-7734B8459D03}"/>
+          <p:cNvPr id="2" name="Retângulo 1">
+            <a:extLst>
+              <a:ext uri="{FF2B5EF4-FFF2-40B4-BE49-F238E27FC236}">
+                <a16:creationId xmlns:a16="http://schemas.microsoft.com/office/drawing/2014/main" id="{3885E183-392B-214B-BA9E-7EFA39264004}"/>
               </a:ext>
             </a:extLst>
           </p:cNvPr>
@@ -7928,6 +8000,350 @@
           </a:p>
         </p:txBody>
       </p:sp>
+      <p:pic>
+        <p:nvPicPr>
+          <p:cNvPr id="9" name="Imagem 8" descr="Tela de celular com publicação numa rede social&#10;&#10;Descrição gerada automaticamente">
+            <a:extLst>
+              <a:ext uri="{FF2B5EF4-FFF2-40B4-BE49-F238E27FC236}">
+                <a16:creationId xmlns:a16="http://schemas.microsoft.com/office/drawing/2014/main" id="{52098112-39F7-4B23-8367-D7954A7B8346}"/>
+              </a:ext>
+            </a:extLst>
+          </p:cNvPr>
+          <p:cNvPicPr>
+            <a:picLocks noChangeAspect="1"/>
+          </p:cNvPicPr>
+          <p:nvPr/>
+        </p:nvPicPr>
+        <p:blipFill>
+          <a:blip r:embed="rId2">
+            <a:extLst>
+              <a:ext uri="{28A0092B-C50C-407E-A947-70E740481C1C}">
+                <a14:useLocalDpi xmlns:a14="http://schemas.microsoft.com/office/drawing/2010/main" val="0"/>
+              </a:ext>
+            </a:extLst>
+          </a:blip>
+          <a:stretch>
+            <a:fillRect/>
+          </a:stretch>
+        </p:blipFill>
+        <p:spPr>
+          <a:xfrm>
+            <a:off x="319031" y="1108280"/>
+            <a:ext cx="5904762" cy="5571429"/>
+          </a:xfrm>
+          <a:prstGeom prst="rect">
+            <a:avLst/>
+          </a:prstGeom>
+        </p:spPr>
+      </p:pic>
+      <p:sp>
+        <p:nvSpPr>
+          <p:cNvPr id="10" name="CaixaDeTexto 9">
+            <a:extLst>
+              <a:ext uri="{FF2B5EF4-FFF2-40B4-BE49-F238E27FC236}">
+                <a16:creationId xmlns:a16="http://schemas.microsoft.com/office/drawing/2014/main" id="{FBD5F7F6-C8C9-4C02-B5C1-20FE487E545D}"/>
+              </a:ext>
+            </a:extLst>
+          </p:cNvPr>
+          <p:cNvSpPr txBox="1"/>
+          <p:nvPr/>
+        </p:nvSpPr>
+        <p:spPr>
+          <a:xfrm>
+            <a:off x="173961" y="98994"/>
+            <a:ext cx="11151765" cy="830997"/>
+          </a:xfrm>
+          <a:prstGeom prst="rect">
+            <a:avLst/>
+          </a:prstGeom>
+          <a:noFill/>
+        </p:spPr>
+        <p:txBody>
+          <a:bodyPr wrap="square" rtlCol="0">
+            <a:spAutoFit/>
+          </a:bodyPr>
+          <a:lstStyle/>
+          <a:p>
+            <a:r>
+              <a:rPr lang="pt-BR" sz="2400" b="1" dirty="0"/>
+              <a:t>Passo 6: </a:t>
+            </a:r>
+            <a:r>
+              <a:rPr lang="pt-BR" sz="2400" dirty="0"/>
+              <a:t>Selecione Path nas variáveis de usuário ou de sistema. Veja onde o Python não está com o caminha já definido -&gt; Clique em editar.</a:t>
+            </a:r>
+          </a:p>
+        </p:txBody>
+      </p:sp>
+    </p:spTree>
+    <p:extLst>
+      <p:ext uri="{BB962C8B-B14F-4D97-AF65-F5344CB8AC3E}">
+        <p14:creationId xmlns:p14="http://schemas.microsoft.com/office/powerpoint/2010/main" val="3833113352"/>
+      </p:ext>
+    </p:extLst>
+  </p:cSld>
+  <p:clrMapOvr>
+    <a:masterClrMapping/>
+  </p:clrMapOvr>
+</p:sld>
+</file>
+
+<file path=ppt/slides/slide27.xml><?xml version="1.0" encoding="utf-8"?>
+<p:sld xmlns:a="http://schemas.openxmlformats.org/drawingml/2006/main" xmlns:r="http://schemas.openxmlformats.org/officeDocument/2006/relationships" xmlns:p="http://schemas.openxmlformats.org/presentationml/2006/main">
+  <p:cSld>
+    <p:spTree>
+      <p:nvGrpSpPr>
+        <p:cNvPr id="1" name=""/>
+        <p:cNvGrpSpPr/>
+        <p:nvPr/>
+      </p:nvGrpSpPr>
+      <p:grpSpPr>
+        <a:xfrm>
+          <a:off x="0" y="0"/>
+          <a:ext cx="0" cy="0"/>
+          <a:chOff x="0" y="0"/>
+          <a:chExt cx="0" cy="0"/>
+        </a:xfrm>
+      </p:grpSpPr>
+      <p:sp>
+        <p:nvSpPr>
+          <p:cNvPr id="2" name="CaixaDeTexto 1">
+            <a:extLst>
+              <a:ext uri="{FF2B5EF4-FFF2-40B4-BE49-F238E27FC236}">
+                <a16:creationId xmlns:a16="http://schemas.microsoft.com/office/drawing/2014/main" id="{060661CB-EEF9-4FAE-8A7B-72E1CC1819A5}"/>
+              </a:ext>
+            </a:extLst>
+          </p:cNvPr>
+          <p:cNvSpPr txBox="1"/>
+          <p:nvPr/>
+        </p:nvSpPr>
+        <p:spPr>
+          <a:xfrm>
+            <a:off x="192947" y="184558"/>
+            <a:ext cx="8531603" cy="923330"/>
+          </a:xfrm>
+          <a:prstGeom prst="rect">
+            <a:avLst/>
+          </a:prstGeom>
+          <a:noFill/>
+        </p:spPr>
+        <p:txBody>
+          <a:bodyPr wrap="square" rtlCol="0">
+            <a:spAutoFit/>
+          </a:bodyPr>
+          <a:lstStyle/>
+          <a:p>
+            <a:r>
+              <a:rPr lang="pt-BR" b="1" dirty="0"/>
+              <a:t>· </a:t>
+            </a:r>
+            <a:r>
+              <a:rPr lang="pt-BR" dirty="0"/>
+              <a:t>Aqui podemos ver todos os caminhos do usuário ou do sistema. Vemos que o Python já criou dois caminhos, pois selecionamos para adicionar ao Path. O primeiro caminho dá acesso ao python e o segundo ao pip (veremos mais à frente).</a:t>
+            </a:r>
+            <a:endParaRPr lang="pt-BR" b="1" dirty="0"/>
+          </a:p>
+        </p:txBody>
+      </p:sp>
+      <p:pic>
+        <p:nvPicPr>
+          <p:cNvPr id="4" name="Imagem 3" descr="Tela de celular com publicação numa rede social&#10;&#10;Descrição gerada automaticamente">
+            <a:extLst>
+              <a:ext uri="{FF2B5EF4-FFF2-40B4-BE49-F238E27FC236}">
+                <a16:creationId xmlns:a16="http://schemas.microsoft.com/office/drawing/2014/main" id="{C320EA99-80C0-4F9C-BA0F-E3BA1328077F}"/>
+              </a:ext>
+            </a:extLst>
+          </p:cNvPr>
+          <p:cNvPicPr>
+            <a:picLocks noChangeAspect="1"/>
+          </p:cNvPicPr>
+          <p:nvPr/>
+        </p:nvPicPr>
+        <p:blipFill>
+          <a:blip r:embed="rId2">
+            <a:extLst>
+              <a:ext uri="{28A0092B-C50C-407E-A947-70E740481C1C}">
+                <a14:useLocalDpi xmlns:a14="http://schemas.microsoft.com/office/drawing/2010/main" val="0"/>
+              </a:ext>
+            </a:extLst>
+          </a:blip>
+          <a:stretch>
+            <a:fillRect/>
+          </a:stretch>
+        </p:blipFill>
+        <p:spPr>
+          <a:xfrm>
+            <a:off x="192947" y="1507148"/>
+            <a:ext cx="5000000" cy="4733333"/>
+          </a:xfrm>
+          <a:prstGeom prst="rect">
+            <a:avLst/>
+          </a:prstGeom>
+        </p:spPr>
+      </p:pic>
+      <p:sp>
+        <p:nvSpPr>
+          <p:cNvPr id="5" name="CaixaDeTexto 4">
+            <a:extLst>
+              <a:ext uri="{FF2B5EF4-FFF2-40B4-BE49-F238E27FC236}">
+                <a16:creationId xmlns:a16="http://schemas.microsoft.com/office/drawing/2014/main" id="{338A8E63-0356-402E-AD74-8E142D7D3A4F}"/>
+              </a:ext>
+            </a:extLst>
+          </p:cNvPr>
+          <p:cNvSpPr txBox="1"/>
+          <p:nvPr/>
+        </p:nvSpPr>
+        <p:spPr>
+          <a:xfrm>
+            <a:off x="5629013" y="1381114"/>
+            <a:ext cx="5452844" cy="1754326"/>
+          </a:xfrm>
+          <a:prstGeom prst="rect">
+            <a:avLst/>
+          </a:prstGeom>
+          <a:noFill/>
+        </p:spPr>
+        <p:txBody>
+          <a:bodyPr wrap="square" rtlCol="0">
+            <a:spAutoFit/>
+          </a:bodyPr>
+          <a:lstStyle/>
+          <a:p>
+            <a:r>
+              <a:rPr lang="pt-BR" dirty="0"/>
+              <a:t>· Como o path está configurado, fica habilitado que o Python seja ativado no terminal de comando do Windows, o </a:t>
+            </a:r>
+            <a:r>
+              <a:rPr lang="pt-BR" dirty="0" err="1"/>
+              <a:t>cmd</a:t>
+            </a:r>
+            <a:r>
+              <a:rPr lang="pt-BR" dirty="0"/>
+              <a:t> ou no </a:t>
+            </a:r>
+            <a:r>
+              <a:rPr lang="pt-BR" dirty="0" err="1"/>
+              <a:t>powershell</a:t>
+            </a:r>
+            <a:r>
+              <a:rPr lang="pt-BR" dirty="0"/>
+              <a:t>. Não se preocupe, caso não seja possível usar esse comando, é porque o path não está configurado. Veremos a seguir como configurar.</a:t>
+            </a:r>
+          </a:p>
+        </p:txBody>
+      </p:sp>
+      <p:pic>
+        <p:nvPicPr>
+          <p:cNvPr id="7" name="Imagem 6" descr="Tela de computador com texto preto sobre fundo branco&#10;&#10;Descrição gerada automaticamente">
+            <a:extLst>
+              <a:ext uri="{FF2B5EF4-FFF2-40B4-BE49-F238E27FC236}">
+                <a16:creationId xmlns:a16="http://schemas.microsoft.com/office/drawing/2014/main" id="{AA67D548-3961-4B72-99F1-5CFBBF6CB956}"/>
+              </a:ext>
+            </a:extLst>
+          </p:cNvPr>
+          <p:cNvPicPr>
+            <a:picLocks noChangeAspect="1"/>
+          </p:cNvPicPr>
+          <p:nvPr/>
+        </p:nvPicPr>
+        <p:blipFill>
+          <a:blip r:embed="rId3">
+            <a:extLst>
+              <a:ext uri="{28A0092B-C50C-407E-A947-70E740481C1C}">
+                <a14:useLocalDpi xmlns:a14="http://schemas.microsoft.com/office/drawing/2010/main" val="0"/>
+              </a:ext>
+            </a:extLst>
+          </a:blip>
+          <a:stretch>
+            <a:fillRect/>
+          </a:stretch>
+        </p:blipFill>
+        <p:spPr>
+          <a:xfrm>
+            <a:off x="5559674" y="3135440"/>
+            <a:ext cx="6329751" cy="3303884"/>
+          </a:xfrm>
+          <a:prstGeom prst="rect">
+            <a:avLst/>
+          </a:prstGeom>
+        </p:spPr>
+      </p:pic>
+    </p:spTree>
+    <p:extLst>
+      <p:ext uri="{BB962C8B-B14F-4D97-AF65-F5344CB8AC3E}">
+        <p14:creationId xmlns:p14="http://schemas.microsoft.com/office/powerpoint/2010/main" val="971124740"/>
+      </p:ext>
+    </p:extLst>
+  </p:cSld>
+  <p:clrMapOvr>
+    <a:masterClrMapping/>
+  </p:clrMapOvr>
+</p:sld>
+</file>
+
+<file path=ppt/slides/slide28.xml><?xml version="1.0" encoding="utf-8"?>
+<p:sld xmlns:a="http://schemas.openxmlformats.org/drawingml/2006/main" xmlns:r="http://schemas.openxmlformats.org/officeDocument/2006/relationships" xmlns:p="http://schemas.openxmlformats.org/presentationml/2006/main">
+  <p:cSld>
+    <p:spTree>
+      <p:nvGrpSpPr>
+        <p:cNvPr id="1" name=""/>
+        <p:cNvGrpSpPr/>
+        <p:nvPr/>
+      </p:nvGrpSpPr>
+      <p:grpSpPr>
+        <a:xfrm>
+          <a:off x="0" y="0"/>
+          <a:ext cx="0" cy="0"/>
+          <a:chOff x="0" y="0"/>
+          <a:chExt cx="0" cy="0"/>
+        </a:xfrm>
+      </p:grpSpPr>
+      <p:sp>
+        <p:nvSpPr>
+          <p:cNvPr id="3" name="Retângulo 2">
+            <a:extLst>
+              <a:ext uri="{FF2B5EF4-FFF2-40B4-BE49-F238E27FC236}">
+                <a16:creationId xmlns:a16="http://schemas.microsoft.com/office/drawing/2014/main" id="{F9FEE05C-7BAB-B9FB-5EDD-7734B8459D03}"/>
+              </a:ext>
+            </a:extLst>
+          </p:cNvPr>
+          <p:cNvSpPr/>
+          <p:nvPr/>
+        </p:nvSpPr>
+        <p:spPr>
+          <a:xfrm>
+            <a:off x="0" y="929991"/>
+            <a:ext cx="12192000" cy="5928008"/>
+          </a:xfrm>
+          <a:prstGeom prst="rect">
+            <a:avLst/>
+          </a:prstGeom>
+        </p:spPr>
+        <p:style>
+          <a:lnRef idx="2">
+            <a:schemeClr val="dk1">
+              <a:shade val="15000"/>
+            </a:schemeClr>
+          </a:lnRef>
+          <a:fillRef idx="1">
+            <a:schemeClr val="dk1"/>
+          </a:fillRef>
+          <a:effectRef idx="0">
+            <a:schemeClr val="dk1"/>
+          </a:effectRef>
+          <a:fontRef idx="minor">
+            <a:schemeClr val="lt1"/>
+          </a:fontRef>
+        </p:style>
+        <p:txBody>
+          <a:bodyPr rtlCol="0" anchor="ctr"/>
+          <a:lstStyle/>
+          <a:p>
+            <a:pPr algn="ctr"/>
+            <a:endParaRPr lang="pt-BR"/>
+          </a:p>
+        </p:txBody>
+      </p:sp>
       <p:sp>
         <p:nvSpPr>
           <p:cNvPr id="2" name="CaixaDeTexto 1">
@@ -8052,7 +8468,7 @@
 </p:sld>
 </file>
 
-<file path=ppt/slides/slide27.xml><?xml version="1.0" encoding="utf-8"?>
+<file path=ppt/slides/slide29.xml><?xml version="1.0" encoding="utf-8"?>
 <p:sld xmlns:a="http://schemas.openxmlformats.org/drawingml/2006/main" xmlns:r="http://schemas.openxmlformats.org/officeDocument/2006/relationships" xmlns:p="http://schemas.openxmlformats.org/presentationml/2006/main">
   <p:cSld>
     <p:spTree>
@@ -8832,7 +9248,7 @@
         </p:nvSpPr>
         <p:spPr>
           <a:xfrm>
-            <a:off x="276726" y="882316"/>
+            <a:off x="276727" y="885767"/>
             <a:ext cx="9541041" cy="646331"/>
           </a:xfrm>
           <a:prstGeom prst="rect">
@@ -9040,7 +9456,7 @@
         </p:nvSpPr>
         <p:spPr>
           <a:xfrm>
-            <a:off x="276726" y="882316"/>
+            <a:off x="276727" y="983528"/>
             <a:ext cx="9541041" cy="954107"/>
           </a:xfrm>
           <a:prstGeom prst="rect">
@@ -9484,7 +9900,7 @@
         </p:nvSpPr>
         <p:spPr>
           <a:xfrm>
-            <a:off x="276726" y="882316"/>
+            <a:off x="276727" y="1035775"/>
             <a:ext cx="9541041" cy="523220"/>
           </a:xfrm>
           <a:prstGeom prst="rect">
